--- a/sd/qa/unit/data/pptx/tdf148921.pptx
+++ b/sd/qa/unit/data/pptx/tdf148921.pptx
@@ -902,8 +902,8 @@
               <a:solidFill>
                 <a:schemeClr val="bg1"/>
               </a:solidFill>
-              <a:latin typeface="Tahoma" pitchFamily="34" charset="0"/>
-              <a:cs typeface="Tahoma" pitchFamily="34" charset="0"/>
+              <a:latin typeface="Noto Sans" pitchFamily="34" charset="0"/>
+              <a:cs typeface="Noto Sans" pitchFamily="34" charset="0"/>
             </a:rPr>
             <a:t>Test</a:t>
           </a:r>
@@ -911,8 +911,8 @@
             <a:solidFill>
               <a:schemeClr val="bg1"/>
             </a:solidFill>
-            <a:latin typeface="Tahoma" pitchFamily="34" charset="0"/>
-            <a:cs typeface="Tahoma" pitchFamily="34" charset="0"/>
+            <a:latin typeface="Noto Sans" pitchFamily="34" charset="0"/>
+            <a:cs typeface="Noto Sans" pitchFamily="34" charset="0"/>
           </a:endParaRPr>
         </a:p>
       </dgm:t>
@@ -926,8 +926,8 @@
         <a:p>
           <a:pPr rtl="1"/>
           <a:endParaRPr lang="he-IL" b="1">
-            <a:latin typeface="Tahoma" pitchFamily="34" charset="0"/>
-            <a:cs typeface="Tahoma" pitchFamily="34" charset="0"/>
+            <a:latin typeface="Noto Sans" pitchFamily="34" charset="0"/>
+            <a:cs typeface="Noto Sans" pitchFamily="34" charset="0"/>
           </a:endParaRPr>
         </a:p>
       </dgm:t>
@@ -947,8 +947,8 @@
         <a:p>
           <a:pPr rtl="1"/>
           <a:endParaRPr lang="he-IL" b="1">
-            <a:latin typeface="Tahoma" pitchFamily="34" charset="0"/>
-            <a:cs typeface="Tahoma" pitchFamily="34" charset="0"/>
+            <a:latin typeface="Noto Sans" pitchFamily="34" charset="0"/>
+            <a:cs typeface="Noto Sans" pitchFamily="34" charset="0"/>
           </a:endParaRPr>
         </a:p>
       </dgm:t>
@@ -1095,8 +1095,8 @@
               <a:solidFill>
                 <a:schemeClr val="bg1"/>
               </a:solidFill>
-              <a:latin typeface="Tahoma" pitchFamily="34" charset="0"/>
-              <a:cs typeface="Tahoma" pitchFamily="34" charset="0"/>
+              <a:latin typeface="Noto Sans" pitchFamily="34" charset="0"/>
+              <a:cs typeface="Noto Sans" pitchFamily="34" charset="0"/>
             </a:rPr>
             <a:t>Test</a:t>
           </a:r>
@@ -1104,8 +1104,8 @@
             <a:solidFill>
               <a:schemeClr val="bg1"/>
             </a:solidFill>
-            <a:latin typeface="Tahoma" pitchFamily="34" charset="0"/>
-            <a:cs typeface="Tahoma" pitchFamily="34" charset="0"/>
+            <a:latin typeface="Noto Sans" pitchFamily="34" charset="0"/>
+            <a:cs typeface="Noto Sans" pitchFamily="34" charset="0"/>
           </a:endParaRPr>
         </a:p>
       </dsp:txBody>
